--- a/Weekly Reports/2019.09.18 - 2019.09.25 Report.pptx
+++ b/Weekly Reports/2019.09.18 - 2019.09.25 Report.pptx
@@ -5,14 +5,18 @@
     <p:sldMasterId id="2147483648" r:id="rId1"/>
   </p:sldMasterIdLst>
   <p:notesMasterIdLst>
-    <p:notesMasterId r:id="rId7"/>
+    <p:notesMasterId r:id="rId11"/>
   </p:notesMasterIdLst>
   <p:sldIdLst>
     <p:sldId id="265" r:id="rId2"/>
     <p:sldId id="266" r:id="rId3"/>
     <p:sldId id="267" r:id="rId4"/>
     <p:sldId id="268" r:id="rId5"/>
-    <p:sldId id="269" r:id="rId6"/>
+    <p:sldId id="270" r:id="rId6"/>
+    <p:sldId id="271" r:id="rId7"/>
+    <p:sldId id="272" r:id="rId8"/>
+    <p:sldId id="273" r:id="rId9"/>
+    <p:sldId id="274" r:id="rId10"/>
   </p:sldIdLst>
   <p:sldSz cx="12192000" cy="6858000"/>
   <p:notesSz cx="6858000" cy="9144000"/>
@@ -201,7 +205,7 @@
           <a:p>
             <a:fld id="{6967AB47-6931-48C6-B7ED-326D1228AFBA}" type="datetimeFigureOut">
               <a:rPr lang="tr-TR" smtClean="0"/>
-              <a:t>20.09.2019</a:t>
+              <a:t>24.09.2019</a:t>
             </a:fld>
             <a:endParaRPr lang="tr-TR"/>
           </a:p>
@@ -469,6 +473,90 @@
 </p:notesMaster>
 </file>
 
+<file path=ppt/notesSlides/notesSlide1.xml><?xml version="1.0" encoding="utf-8"?>
+<p:notes xmlns:a="http://schemas.openxmlformats.org/drawingml/2006/main" xmlns:r="http://schemas.openxmlformats.org/officeDocument/2006/relationships" xmlns:p="http://schemas.openxmlformats.org/presentationml/2006/main">
+  <p:cSld>
+    <p:spTree>
+      <p:nvGrpSpPr>
+        <p:cNvPr id="1" name=""/>
+        <p:cNvGrpSpPr/>
+        <p:nvPr/>
+      </p:nvGrpSpPr>
+      <p:grpSpPr>
+        <a:xfrm>
+          <a:off x="0" y="0"/>
+          <a:ext cx="0" cy="0"/>
+          <a:chOff x="0" y="0"/>
+          <a:chExt cx="0" cy="0"/>
+        </a:xfrm>
+      </p:grpSpPr>
+      <p:sp>
+        <p:nvSpPr>
+          <p:cNvPr id="2" name="Slide Image Placeholder 1"/>
+          <p:cNvSpPr>
+            <a:spLocks noGrp="1" noRot="1" noChangeAspect="1"/>
+          </p:cNvSpPr>
+          <p:nvPr>
+            <p:ph type="sldImg"/>
+          </p:nvPr>
+        </p:nvSpPr>
+        <p:spPr/>
+      </p:sp>
+      <p:sp>
+        <p:nvSpPr>
+          <p:cNvPr id="3" name="Notes Placeholder 2"/>
+          <p:cNvSpPr>
+            <a:spLocks noGrp="1"/>
+          </p:cNvSpPr>
+          <p:nvPr>
+            <p:ph type="body" idx="1"/>
+          </p:nvPr>
+        </p:nvSpPr>
+        <p:spPr/>
+        <p:txBody>
+          <a:bodyPr/>
+          <a:lstStyle/>
+          <a:p>
+            <a:endParaRPr lang="tr-TR" dirty="0"/>
+          </a:p>
+        </p:txBody>
+      </p:sp>
+      <p:sp>
+        <p:nvSpPr>
+          <p:cNvPr id="4" name="Slide Number Placeholder 3"/>
+          <p:cNvSpPr>
+            <a:spLocks noGrp="1"/>
+          </p:cNvSpPr>
+          <p:nvPr>
+            <p:ph type="sldNum" sz="quarter" idx="10"/>
+          </p:nvPr>
+        </p:nvSpPr>
+        <p:spPr/>
+        <p:txBody>
+          <a:bodyPr/>
+          <a:lstStyle/>
+          <a:p>
+            <a:fld id="{B6112101-3760-4CAC-BF0E-15BB3278C8BF}" type="slidenum">
+              <a:rPr lang="tr-TR" smtClean="0"/>
+              <a:t>9</a:t>
+            </a:fld>
+            <a:endParaRPr lang="tr-TR"/>
+          </a:p>
+        </p:txBody>
+      </p:sp>
+    </p:spTree>
+    <p:extLst>
+      <p:ext uri="{BB962C8B-B14F-4D97-AF65-F5344CB8AC3E}">
+        <p14:creationId xmlns:p14="http://schemas.microsoft.com/office/powerpoint/2010/main" val="626545477"/>
+      </p:ext>
+    </p:extLst>
+  </p:cSld>
+  <p:clrMapOvr>
+    <a:masterClrMapping/>
+  </p:clrMapOvr>
+</p:notes>
+</file>
+
 <file path=ppt/slideLayouts/slideLayout1.xml><?xml version="1.0" encoding="utf-8"?>
 <p:sldLayout xmlns:a="http://schemas.openxmlformats.org/drawingml/2006/main" xmlns:r="http://schemas.openxmlformats.org/officeDocument/2006/relationships" xmlns:p="http://schemas.openxmlformats.org/presentationml/2006/main" type="title" preserve="1">
   <p:cSld name="Title Slide">
@@ -600,7 +688,7 @@
           <a:p>
             <a:fld id="{BD3B3769-65FE-41EA-85B6-D9F2AF76CBA9}" type="datetime1">
               <a:rPr lang="tr-TR" smtClean="0"/>
-              <a:t>20.09.2019</a:t>
+              <a:t>24.09.2019</a:t>
             </a:fld>
             <a:endParaRPr lang="tr-TR"/>
           </a:p>
@@ -770,7 +858,7 @@
           <a:p>
             <a:fld id="{2962A6A9-D976-4BDA-B10C-66B2B9DE9B4C}" type="datetime1">
               <a:rPr lang="tr-TR" smtClean="0"/>
-              <a:t>20.09.2019</a:t>
+              <a:t>24.09.2019</a:t>
             </a:fld>
             <a:endParaRPr lang="tr-TR"/>
           </a:p>
@@ -950,7 +1038,7 @@
           <a:p>
             <a:fld id="{5600552A-E4D4-4B40-9929-1D3FB71F71FF}" type="datetime1">
               <a:rPr lang="tr-TR" smtClean="0"/>
-              <a:t>20.09.2019</a:t>
+              <a:t>24.09.2019</a:t>
             </a:fld>
             <a:endParaRPr lang="tr-TR"/>
           </a:p>
@@ -1120,7 +1208,7 @@
           <a:p>
             <a:fld id="{F9A85ECC-3CE4-4AD0-8EC5-3A36763AA76F}" type="datetime1">
               <a:rPr lang="tr-TR" smtClean="0"/>
-              <a:t>20.09.2019</a:t>
+              <a:t>24.09.2019</a:t>
             </a:fld>
             <a:endParaRPr lang="tr-TR"/>
           </a:p>
@@ -1366,7 +1454,7 @@
           <a:p>
             <a:fld id="{39F6AA4B-9646-44CC-B325-B50A183D6636}" type="datetime1">
               <a:rPr lang="tr-TR" smtClean="0"/>
-              <a:t>20.09.2019</a:t>
+              <a:t>24.09.2019</a:t>
             </a:fld>
             <a:endParaRPr lang="tr-TR"/>
           </a:p>
@@ -1598,7 +1686,7 @@
           <a:p>
             <a:fld id="{FD69D89B-A78C-481C-B4BE-82E51E30BA9C}" type="datetime1">
               <a:rPr lang="tr-TR" smtClean="0"/>
-              <a:t>20.09.2019</a:t>
+              <a:t>24.09.2019</a:t>
             </a:fld>
             <a:endParaRPr lang="tr-TR"/>
           </a:p>
@@ -1965,7 +2053,7 @@
           <a:p>
             <a:fld id="{473BE270-57FE-4717-982D-F02DFB5BECD5}" type="datetime1">
               <a:rPr lang="tr-TR" smtClean="0"/>
-              <a:t>20.09.2019</a:t>
+              <a:t>24.09.2019</a:t>
             </a:fld>
             <a:endParaRPr lang="tr-TR"/>
           </a:p>
@@ -2083,7 +2171,7 @@
           <a:p>
             <a:fld id="{BFAEDD45-6991-4862-9E84-DDF92EF341CB}" type="datetime1">
               <a:rPr lang="tr-TR" smtClean="0"/>
-              <a:t>20.09.2019</a:t>
+              <a:t>24.09.2019</a:t>
             </a:fld>
             <a:endParaRPr lang="tr-TR"/>
           </a:p>
@@ -2178,7 +2266,7 @@
           <a:p>
             <a:fld id="{23EE56C6-14E9-4870-96BE-3550760A1300}" type="datetime1">
               <a:rPr lang="tr-TR" smtClean="0"/>
-              <a:t>20.09.2019</a:t>
+              <a:t>24.09.2019</a:t>
             </a:fld>
             <a:endParaRPr lang="tr-TR"/>
           </a:p>
@@ -2455,7 +2543,7 @@
           <a:p>
             <a:fld id="{5EB3015D-7E17-406D-9A1A-3B2ADCD0CF79}" type="datetime1">
               <a:rPr lang="tr-TR" smtClean="0"/>
-              <a:t>20.09.2019</a:t>
+              <a:t>24.09.2019</a:t>
             </a:fld>
             <a:endParaRPr lang="tr-TR"/>
           </a:p>
@@ -2708,7 +2796,7 @@
           <a:p>
             <a:fld id="{8E1B6673-63A0-461F-BFBD-58F4D74CC1A0}" type="datetime1">
               <a:rPr lang="tr-TR" smtClean="0"/>
-              <a:t>20.09.2019</a:t>
+              <a:t>24.09.2019</a:t>
             </a:fld>
             <a:endParaRPr lang="tr-TR"/>
           </a:p>
@@ -2921,7 +3009,7 @@
           <a:p>
             <a:fld id="{9E8EF2ED-7087-4201-9521-97BB02159B09}" type="datetime1">
               <a:rPr lang="tr-TR" smtClean="0"/>
-              <a:t>20.09.2019</a:t>
+              <a:t>24.09.2019</a:t>
             </a:fld>
             <a:endParaRPr lang="tr-TR"/>
           </a:p>
@@ -5020,11 +5108,7 @@
             </a:r>
             <a:r>
               <a:rPr lang="tr-TR" dirty="0" smtClean="0"/>
-              <a:t> and its thermal resistance is calculated as 3.56 K/W</a:t>
-            </a:r>
-            <a:r>
-              <a:rPr lang="tr-TR" dirty="0" smtClean="0"/>
-              <a:t>. (A better option is </a:t>
+              <a:t> and its thermal resistance is calculated as 3.56 K/W. (A better option is </a:t>
             </a:r>
             <a:r>
               <a:rPr lang="tr-TR" dirty="0" smtClean="0">
@@ -5036,12 +5120,11 @@
               <a:rPr lang="tr-TR" dirty="0" smtClean="0"/>
               <a:t> and its thermal resistance is 2.28 K/W)</a:t>
             </a:r>
-            <a:endParaRPr lang="tr-TR" dirty="0" smtClean="0"/>
-          </a:p>
-        </p:txBody>
-      </p:sp>
-      <mc:AlternateContent xmlns:mc="http://schemas.openxmlformats.org/markup-compatibility/2006">
-        <mc:Choice xmlns:a14="http://schemas.microsoft.com/office/drawing/2010/main" Requires="a14">
+          </a:p>
+        </p:txBody>
+      </p:sp>
+      <mc:AlternateContent xmlns:mc="http://schemas.openxmlformats.org/markup-compatibility/2006" xmlns:a14="http://schemas.microsoft.com/office/drawing/2010/main">
+        <mc:Choice Requires="a14">
           <p:sp>
             <p:nvSpPr>
               <p:cNvPr id="8" name="TextBox 7"/>
@@ -5294,7 +5377,7 @@
             </p:txBody>
           </p:sp>
         </mc:Choice>
-        <mc:Fallback>
+        <mc:Fallback xmlns="">
           <p:sp>
             <p:nvSpPr>
               <p:cNvPr id="8" name="TextBox 7"/>
@@ -6246,6 +6329,181 @@
           </p:sp>
         </mc:Fallback>
       </mc:AlternateContent>
+      <p:sp>
+        <p:nvSpPr>
+          <p:cNvPr id="2" name="TextBox 1"/>
+          <p:cNvSpPr txBox="1"/>
+          <p:nvPr/>
+        </p:nvSpPr>
+        <p:spPr>
+          <a:xfrm>
+            <a:off x="6189785" y="5343649"/>
+            <a:ext cx="905607" cy="461665"/>
+          </a:xfrm>
+          <a:prstGeom prst="rect">
+            <a:avLst/>
+          </a:prstGeom>
+          <a:noFill/>
+        </p:spPr>
+        <p:txBody>
+          <a:bodyPr wrap="square" rtlCol="0">
+            <a:spAutoFit/>
+          </a:bodyPr>
+          <a:lstStyle/>
+          <a:p>
+            <a:r>
+              <a:rPr lang="tr-TR" sz="2400" dirty="0" smtClean="0">
+                <a:solidFill>
+                  <a:srgbClr val="FF0000"/>
+                </a:solidFill>
+              </a:rPr>
+              <a:t>OR</a:t>
+            </a:r>
+            <a:endParaRPr lang="tr-TR" sz="2400" dirty="0">
+              <a:solidFill>
+                <a:srgbClr val="FF0000"/>
+              </a:solidFill>
+            </a:endParaRPr>
+          </a:p>
+        </p:txBody>
+      </p:sp>
+      <mc:AlternateContent xmlns:mc="http://schemas.openxmlformats.org/markup-compatibility/2006">
+        <mc:Choice xmlns:a14="http://schemas.microsoft.com/office/drawing/2010/main" Requires="a14">
+          <p:sp>
+            <p:nvSpPr>
+              <p:cNvPr id="3" name="Rectangle 2"/>
+              <p:cNvSpPr/>
+              <p:nvPr/>
+            </p:nvSpPr>
+            <p:spPr>
+              <a:xfrm>
+                <a:off x="7095392" y="5389815"/>
+                <a:ext cx="3726341" cy="369332"/>
+              </a:xfrm>
+              <a:prstGeom prst="rect">
+                <a:avLst/>
+              </a:prstGeom>
+            </p:spPr>
+            <p:txBody>
+              <a:bodyPr wrap="none">
+                <a:spAutoFit/>
+              </a:bodyPr>
+              <a:lstStyle/>
+              <a:p>
+                <a:pPr/>
+                <a14:m>
+                  <m:oMath xmlns:m="http://schemas.openxmlformats.org/officeDocument/2006/math">
+                    <m:sSub>
+                      <m:sSubPr>
+                        <m:ctrlPr>
+                          <a:rPr lang="tr-TR" i="1" smtClean="0">
+                            <a:latin typeface="Cambria Math" panose="02040503050406030204" pitchFamily="18" charset="0"/>
+                          </a:rPr>
+                        </m:ctrlPr>
+                      </m:sSubPr>
+                      <m:e>
+                        <m:r>
+                          <a:rPr lang="tr-TR" i="1">
+                            <a:latin typeface="Cambria Math" panose="02040503050406030204" pitchFamily="18" charset="0"/>
+                          </a:rPr>
+                          <m:t>𝑅</m:t>
+                        </m:r>
+                      </m:e>
+                      <m:sub>
+                        <m:r>
+                          <a:rPr lang="tr-TR" i="1">
+                            <a:latin typeface="Cambria Math" panose="02040503050406030204" pitchFamily="18" charset="0"/>
+                          </a:rPr>
+                          <m:t>𝐻𝑆</m:t>
+                        </m:r>
+                      </m:sub>
+                    </m:sSub>
+                    <m:r>
+                      <a:rPr lang="tr-TR" i="1">
+                        <a:latin typeface="Cambria Math" panose="02040503050406030204" pitchFamily="18" charset="0"/>
+                      </a:rPr>
+                      <m:t>≅</m:t>
+                    </m:r>
+                    <m:r>
+                      <a:rPr lang="tr-TR" b="0" i="1" smtClean="0">
+                        <a:latin typeface="Cambria Math" panose="02040503050406030204" pitchFamily="18" charset="0"/>
+                      </a:rPr>
+                      <m:t>2.4</m:t>
+                    </m:r>
+                    <m:r>
+                      <a:rPr lang="tr-TR" i="1">
+                        <a:latin typeface="Cambria Math" panose="02040503050406030204" pitchFamily="18" charset="0"/>
+                      </a:rPr>
+                      <m:t> °</m:t>
+                    </m:r>
+                    <m:r>
+                      <a:rPr lang="tr-TR" i="1">
+                        <a:latin typeface="Cambria Math" panose="02040503050406030204" pitchFamily="18" charset="0"/>
+                      </a:rPr>
+                      <m:t>𝐶</m:t>
+                    </m:r>
+                    <m:r>
+                      <a:rPr lang="tr-TR" i="1">
+                        <a:latin typeface="Cambria Math" panose="02040503050406030204" pitchFamily="18" charset="0"/>
+                      </a:rPr>
+                      <m:t>/</m:t>
+                    </m:r>
+                    <m:r>
+                      <a:rPr lang="tr-TR" i="1">
+                        <a:latin typeface="Cambria Math" panose="02040503050406030204" pitchFamily="18" charset="0"/>
+                      </a:rPr>
+                      <m:t>𝑊</m:t>
+                    </m:r>
+                  </m:oMath>
+                </a14:m>
+                <a:r>
+                  <a:rPr lang="tr-TR" dirty="0" smtClean="0"/>
+                  <a:t> for seperate bridges</a:t>
+                </a:r>
+                <a:endParaRPr lang="tr-TR" dirty="0"/>
+              </a:p>
+            </p:txBody>
+          </p:sp>
+        </mc:Choice>
+        <mc:Fallback>
+          <p:sp>
+            <p:nvSpPr>
+              <p:cNvPr id="3" name="Rectangle 2"/>
+              <p:cNvSpPr>
+                <a:spLocks noRot="1" noChangeAspect="1" noMove="1" noResize="1" noEditPoints="1" noAdjustHandles="1" noChangeArrowheads="1" noChangeShapeType="1" noTextEdit="1"/>
+              </p:cNvSpPr>
+              <p:nvPr/>
+            </p:nvSpPr>
+            <p:spPr>
+              <a:xfrm>
+                <a:off x="7095392" y="5389815"/>
+                <a:ext cx="3726341" cy="369332"/>
+              </a:xfrm>
+              <a:prstGeom prst="rect">
+                <a:avLst/>
+              </a:prstGeom>
+              <a:blipFill>
+                <a:blip r:embed="rId9"/>
+                <a:stretch>
+                  <a:fillRect t="-8197" r="-818" b="-24590"/>
+                </a:stretch>
+              </a:blipFill>
+            </p:spPr>
+            <p:txBody>
+              <a:bodyPr/>
+              <a:lstStyle/>
+              <a:p>
+                <a:r>
+                  <a:rPr lang="tr-TR">
+                    <a:noFill/>
+                  </a:rPr>
+                  <a:t> </a:t>
+                </a:r>
+              </a:p>
+            </p:txBody>
+          </p:sp>
+        </mc:Fallback>
+      </mc:AlternateContent>
     </p:spTree>
     <p:extLst>
       <p:ext uri="{BB962C8B-B14F-4D97-AF65-F5344CB8AC3E}">
@@ -6315,7 +6573,7 @@
         <p:spPr>
           <a:xfrm>
             <a:off x="465992" y="219808"/>
-            <a:ext cx="3103685" cy="523220"/>
+            <a:ext cx="5064370" cy="523220"/>
           </a:xfrm>
           <a:prstGeom prst="rect">
             <a:avLst/>
@@ -6330,7 +6588,11 @@
           <a:p>
             <a:r>
               <a:rPr lang="tr-TR" sz="2800" dirty="0" smtClean="0"/>
-              <a:t>Heat Sink Selection</a:t>
+              <a:t>Heat Sink </a:t>
+            </a:r>
+            <a:r>
+              <a:rPr lang="tr-TR" sz="2800" dirty="0" smtClean="0"/>
+              <a:t>Selection – Option #1</a:t>
             </a:r>
             <a:endParaRPr lang="tr-TR" sz="2800" dirty="0"/>
           </a:p>
@@ -6338,27 +6600,903 @@
       </p:sp>
       <p:pic>
         <p:nvPicPr>
-          <p:cNvPr id="10" name="Picture 9"/>
+          <p:cNvPr id="7" name="Picture 6"/>
+          <p:cNvPicPr>
+            <a:picLocks noChangeAspect="1"/>
+          </p:cNvPicPr>
+          <p:nvPr/>
+        </p:nvPicPr>
+        <p:blipFill>
+          <a:blip r:embed="rId2"/>
+          <a:stretch>
+            <a:fillRect/>
+          </a:stretch>
+        </p:blipFill>
+        <p:spPr>
+          <a:xfrm>
+            <a:off x="784347" y="1151793"/>
+            <a:ext cx="6315075" cy="2057400"/>
+          </a:xfrm>
+          <a:prstGeom prst="rect">
+            <a:avLst/>
+          </a:prstGeom>
+        </p:spPr>
+      </p:pic>
+      <p:pic>
+        <p:nvPicPr>
+          <p:cNvPr id="9" name="Picture 8"/>
           <p:cNvPicPr>
             <a:picLocks noChangeAspect="1"/>
           </p:cNvPicPr>
           <p:nvPr/>
         </p:nvPicPr>
         <p:blipFill rotWithShape="1">
-          <a:blip r:embed="rId2"/>
-          <a:srcRect l="9100" t="8665" r="14413" b="12947"/>
+          <a:blip r:embed="rId3"/>
+          <a:srcRect l="2775" r="1141"/>
           <a:stretch/>
         </p:blipFill>
         <p:spPr>
           <a:xfrm>
-            <a:off x="768036" y="950525"/>
-            <a:ext cx="7534389" cy="2399344"/>
+            <a:off x="784347" y="3531210"/>
+            <a:ext cx="6937132" cy="2943225"/>
           </a:xfrm>
           <a:prstGeom prst="rect">
             <a:avLst/>
           </a:prstGeom>
         </p:spPr>
       </p:pic>
+      <p:sp>
+        <p:nvSpPr>
+          <p:cNvPr id="12" name="Rectangle 11"/>
+          <p:cNvSpPr/>
+          <p:nvPr/>
+        </p:nvSpPr>
+        <p:spPr>
+          <a:xfrm>
+            <a:off x="728750" y="5073162"/>
+            <a:ext cx="7048326" cy="254977"/>
+          </a:xfrm>
+          <a:prstGeom prst="rect">
+            <a:avLst/>
+          </a:prstGeom>
+          <a:noFill/>
+          <a:ln w="38100">
+            <a:solidFill>
+              <a:srgbClr val="FF0000"/>
+            </a:solidFill>
+          </a:ln>
+        </p:spPr>
+        <p:style>
+          <a:lnRef idx="2">
+            <a:schemeClr val="accent1">
+              <a:shade val="50000"/>
+            </a:schemeClr>
+          </a:lnRef>
+          <a:fillRef idx="1">
+            <a:schemeClr val="accent1"/>
+          </a:fillRef>
+          <a:effectRef idx="0">
+            <a:schemeClr val="accent1"/>
+          </a:effectRef>
+          <a:fontRef idx="minor">
+            <a:schemeClr val="lt1"/>
+          </a:fontRef>
+        </p:style>
+        <p:txBody>
+          <a:bodyPr rtlCol="0" anchor="ctr"/>
+          <a:lstStyle/>
+          <a:p>
+            <a:pPr algn="ctr"/>
+            <a:endParaRPr lang="tr-TR"/>
+          </a:p>
+        </p:txBody>
+      </p:sp>
+      <p:cxnSp>
+        <p:nvCxnSpPr>
+          <p:cNvPr id="13" name="Elbow Connector 12"/>
+          <p:cNvCxnSpPr/>
+          <p:nvPr/>
+        </p:nvCxnSpPr>
+        <p:spPr>
+          <a:xfrm>
+            <a:off x="5081954" y="3708705"/>
+            <a:ext cx="3084085" cy="1186962"/>
+          </a:xfrm>
+          <a:prstGeom prst="bentConnector3">
+            <a:avLst>
+              <a:gd name="adj1" fmla="val 88202"/>
+            </a:avLst>
+          </a:prstGeom>
+          <a:ln w="28575">
+            <a:solidFill>
+              <a:srgbClr val="FF0000"/>
+            </a:solidFill>
+            <a:tailEnd type="triangle"/>
+          </a:ln>
+        </p:spPr>
+        <p:style>
+          <a:lnRef idx="1">
+            <a:schemeClr val="accent1"/>
+          </a:lnRef>
+          <a:fillRef idx="0">
+            <a:schemeClr val="accent1"/>
+          </a:fillRef>
+          <a:effectRef idx="0">
+            <a:schemeClr val="accent1"/>
+          </a:effectRef>
+          <a:fontRef idx="minor">
+            <a:schemeClr val="tx1"/>
+          </a:fontRef>
+        </p:style>
+      </p:cxnSp>
+      <p:sp>
+        <p:nvSpPr>
+          <p:cNvPr id="16" name="TextBox 15"/>
+          <p:cNvSpPr txBox="1"/>
+          <p:nvPr/>
+        </p:nvSpPr>
+        <p:spPr>
+          <a:xfrm>
+            <a:off x="8166039" y="4711001"/>
+            <a:ext cx="2584939" cy="369332"/>
+          </a:xfrm>
+          <a:prstGeom prst="rect">
+            <a:avLst/>
+          </a:prstGeom>
+          <a:noFill/>
+        </p:spPr>
+        <p:txBody>
+          <a:bodyPr wrap="square" rtlCol="0">
+            <a:spAutoFit/>
+          </a:bodyPr>
+          <a:lstStyle/>
+          <a:p>
+            <a:r>
+              <a:rPr lang="tr-TR" dirty="0" smtClean="0"/>
+              <a:t>240.13 LFM - 1.22 m/s</a:t>
+            </a:r>
+            <a:endParaRPr lang="tr-TR" dirty="0"/>
+          </a:p>
+        </p:txBody>
+      </p:sp>
+      <p:sp>
+        <p:nvSpPr>
+          <p:cNvPr id="17" name="Rectangle 16"/>
+          <p:cNvSpPr/>
+          <p:nvPr/>
+        </p:nvSpPr>
+        <p:spPr>
+          <a:xfrm>
+            <a:off x="784347" y="6427120"/>
+            <a:ext cx="561372" cy="369332"/>
+          </a:xfrm>
+          <a:prstGeom prst="rect">
+            <a:avLst/>
+          </a:prstGeom>
+        </p:spPr>
+        <p:txBody>
+          <a:bodyPr wrap="none">
+            <a:spAutoFit/>
+          </a:bodyPr>
+          <a:lstStyle/>
+          <a:p>
+            <a:r>
+              <a:rPr lang="tr-TR" dirty="0" smtClean="0">
+                <a:hlinkClick r:id="rId4"/>
+              </a:rPr>
+              <a:t>Link</a:t>
+            </a:r>
+            <a:endParaRPr lang="tr-TR" dirty="0"/>
+          </a:p>
+        </p:txBody>
+      </p:sp>
+      <p:sp>
+        <p:nvSpPr>
+          <p:cNvPr id="18" name="TextBox 17"/>
+          <p:cNvSpPr txBox="1"/>
+          <p:nvPr/>
+        </p:nvSpPr>
+        <p:spPr>
+          <a:xfrm>
+            <a:off x="8457517" y="2016753"/>
+            <a:ext cx="2718838" cy="923330"/>
+          </a:xfrm>
+          <a:prstGeom prst="rect">
+            <a:avLst/>
+          </a:prstGeom>
+          <a:noFill/>
+          <a:ln w="19050">
+            <a:solidFill>
+              <a:srgbClr val="FF0000"/>
+            </a:solidFill>
+          </a:ln>
+        </p:spPr>
+        <p:txBody>
+          <a:bodyPr wrap="square" rtlCol="0">
+            <a:spAutoFit/>
+          </a:bodyPr>
+          <a:lstStyle/>
+          <a:p>
+            <a:pPr algn="ctr"/>
+            <a:r>
+              <a:rPr lang="tr-TR" dirty="0" smtClean="0"/>
+              <a:t>Air flow (CFM) is proportional to thickness of fan and its power</a:t>
+            </a:r>
+            <a:endParaRPr lang="tr-TR" dirty="0"/>
+          </a:p>
+        </p:txBody>
+      </p:sp>
+      <p:sp>
+        <p:nvSpPr>
+          <p:cNvPr id="19" name="Lightning Bolt 18"/>
+          <p:cNvSpPr/>
+          <p:nvPr/>
+        </p:nvSpPr>
+        <p:spPr>
+          <a:xfrm>
+            <a:off x="7721479" y="1083880"/>
+            <a:ext cx="728579" cy="919517"/>
+          </a:xfrm>
+          <a:prstGeom prst="lightningBolt">
+            <a:avLst/>
+          </a:prstGeom>
+          <a:solidFill>
+            <a:srgbClr val="FF0000"/>
+          </a:solidFill>
+        </p:spPr>
+        <p:style>
+          <a:lnRef idx="2">
+            <a:schemeClr val="accent1">
+              <a:shade val="50000"/>
+            </a:schemeClr>
+          </a:lnRef>
+          <a:fillRef idx="1">
+            <a:schemeClr val="accent1"/>
+          </a:fillRef>
+          <a:effectRef idx="0">
+            <a:schemeClr val="accent1"/>
+          </a:effectRef>
+          <a:fontRef idx="minor">
+            <a:schemeClr val="lt1"/>
+          </a:fontRef>
+        </p:style>
+        <p:txBody>
+          <a:bodyPr rtlCol="0" anchor="ctr"/>
+          <a:lstStyle/>
+          <a:p>
+            <a:pPr algn="ctr"/>
+            <a:endParaRPr lang="tr-TR"/>
+          </a:p>
+        </p:txBody>
+      </p:sp>
+    </p:spTree>
+    <p:extLst>
+      <p:ext uri="{BB962C8B-B14F-4D97-AF65-F5344CB8AC3E}">
+        <p14:creationId xmlns:p14="http://schemas.microsoft.com/office/powerpoint/2010/main" val="236546946"/>
+      </p:ext>
+    </p:extLst>
+  </p:cSld>
+  <p:clrMapOvr>
+    <a:masterClrMapping/>
+  </p:clrMapOvr>
+  <p:timing>
+    <p:tnLst>
+      <p:par>
+        <p:cTn id="1" dur="indefinite" restart="never" nodeType="tmRoot"/>
+      </p:par>
+    </p:tnLst>
+  </p:timing>
+</p:sld>
+</file>
+
+<file path=ppt/slides/slide6.xml><?xml version="1.0" encoding="utf-8"?>
+<p:sld xmlns:a="http://schemas.openxmlformats.org/drawingml/2006/main" xmlns:r="http://schemas.openxmlformats.org/officeDocument/2006/relationships" xmlns:p="http://schemas.openxmlformats.org/presentationml/2006/main">
+  <p:cSld>
+    <p:spTree>
+      <p:nvGrpSpPr>
+        <p:cNvPr id="1" name=""/>
+        <p:cNvGrpSpPr/>
+        <p:nvPr/>
+      </p:nvGrpSpPr>
+      <p:grpSpPr>
+        <a:xfrm>
+          <a:off x="0" y="0"/>
+          <a:ext cx="0" cy="0"/>
+          <a:chOff x="0" y="0"/>
+          <a:chExt cx="0" cy="0"/>
+        </a:xfrm>
+      </p:grpSpPr>
+      <p:pic>
+        <p:nvPicPr>
+          <p:cNvPr id="3" name="Picture 2"/>
+          <p:cNvPicPr>
+            <a:picLocks noChangeAspect="1"/>
+          </p:cNvPicPr>
+          <p:nvPr/>
+        </p:nvPicPr>
+        <p:blipFill>
+          <a:blip r:embed="rId2"/>
+          <a:stretch>
+            <a:fillRect/>
+          </a:stretch>
+        </p:blipFill>
+        <p:spPr>
+          <a:xfrm>
+            <a:off x="465992" y="3096069"/>
+            <a:ext cx="5643119" cy="3229863"/>
+          </a:xfrm>
+          <a:prstGeom prst="rect">
+            <a:avLst/>
+          </a:prstGeom>
+        </p:spPr>
+      </p:pic>
+      <p:sp>
+        <p:nvSpPr>
+          <p:cNvPr id="4" name="Slide Number Placeholder 3"/>
+          <p:cNvSpPr>
+            <a:spLocks noGrp="1"/>
+          </p:cNvSpPr>
+          <p:nvPr>
+            <p:ph type="sldNum" sz="quarter" idx="12"/>
+          </p:nvPr>
+        </p:nvSpPr>
+        <p:spPr/>
+        <p:txBody>
+          <a:bodyPr/>
+          <a:lstStyle/>
+          <a:p>
+            <a:fld id="{178508F5-8E49-4F57-B165-331DE2AB85B8}" type="slidenum">
+              <a:rPr lang="tr-TR" sz="1800" smtClean="0"/>
+              <a:t>6</a:t>
+            </a:fld>
+            <a:endParaRPr lang="tr-TR" sz="1800" dirty="0"/>
+          </a:p>
+        </p:txBody>
+      </p:sp>
+      <p:sp>
+        <p:nvSpPr>
+          <p:cNvPr id="5" name="TextBox 4"/>
+          <p:cNvSpPr txBox="1"/>
+          <p:nvPr/>
+        </p:nvSpPr>
+        <p:spPr>
+          <a:xfrm>
+            <a:off x="465992" y="219808"/>
+            <a:ext cx="5064370" cy="523220"/>
+          </a:xfrm>
+          <a:prstGeom prst="rect">
+            <a:avLst/>
+          </a:prstGeom>
+          <a:noFill/>
+        </p:spPr>
+        <p:txBody>
+          <a:bodyPr wrap="square" rtlCol="0">
+            <a:spAutoFit/>
+          </a:bodyPr>
+          <a:lstStyle/>
+          <a:p>
+            <a:r>
+              <a:rPr lang="tr-TR" sz="2800" dirty="0" smtClean="0"/>
+              <a:t>Heat Sink </a:t>
+            </a:r>
+            <a:r>
+              <a:rPr lang="tr-TR" sz="2800" dirty="0" smtClean="0"/>
+              <a:t>Selection – Option #2</a:t>
+            </a:r>
+            <a:endParaRPr lang="tr-TR" sz="2800" dirty="0"/>
+          </a:p>
+        </p:txBody>
+      </p:sp>
+      <p:cxnSp>
+        <p:nvCxnSpPr>
+          <p:cNvPr id="13" name="Elbow Connector 12"/>
+          <p:cNvCxnSpPr/>
+          <p:nvPr/>
+        </p:nvCxnSpPr>
+        <p:spPr>
+          <a:xfrm flipV="1">
+            <a:off x="2453053" y="4211782"/>
+            <a:ext cx="3199602" cy="599507"/>
+          </a:xfrm>
+          <a:prstGeom prst="bentConnector3">
+            <a:avLst>
+              <a:gd name="adj1" fmla="val 50000"/>
+            </a:avLst>
+          </a:prstGeom>
+          <a:ln w="28575">
+            <a:solidFill>
+              <a:srgbClr val="FF0000"/>
+            </a:solidFill>
+            <a:tailEnd type="triangle"/>
+          </a:ln>
+        </p:spPr>
+        <p:style>
+          <a:lnRef idx="1">
+            <a:schemeClr val="accent1"/>
+          </a:lnRef>
+          <a:fillRef idx="0">
+            <a:schemeClr val="accent1"/>
+          </a:fillRef>
+          <a:effectRef idx="0">
+            <a:schemeClr val="accent1"/>
+          </a:effectRef>
+          <a:fontRef idx="minor">
+            <a:schemeClr val="tx1"/>
+          </a:fontRef>
+        </p:style>
+      </p:cxnSp>
+      <p:sp>
+        <p:nvSpPr>
+          <p:cNvPr id="16" name="TextBox 15"/>
+          <p:cNvSpPr txBox="1"/>
+          <p:nvPr/>
+        </p:nvSpPr>
+        <p:spPr>
+          <a:xfrm>
+            <a:off x="5652655" y="4027116"/>
+            <a:ext cx="2604654" cy="369332"/>
+          </a:xfrm>
+          <a:prstGeom prst="rect">
+            <a:avLst/>
+          </a:prstGeom>
+          <a:noFill/>
+        </p:spPr>
+        <p:txBody>
+          <a:bodyPr wrap="square" rtlCol="0">
+            <a:spAutoFit/>
+          </a:bodyPr>
+          <a:lstStyle/>
+          <a:p>
+            <a:r>
+              <a:rPr lang="tr-TR" dirty="0" smtClean="0"/>
+              <a:t>@ </a:t>
+            </a:r>
+            <a:r>
+              <a:rPr lang="tr-TR" b="1" dirty="0" smtClean="0"/>
+              <a:t>2.75 CFM </a:t>
+            </a:r>
+            <a:r>
+              <a:rPr lang="tr-TR" dirty="0" smtClean="0"/>
+              <a:t>&amp; 197 LFM</a:t>
+            </a:r>
+            <a:endParaRPr lang="tr-TR" dirty="0"/>
+          </a:p>
+        </p:txBody>
+      </p:sp>
+      <p:sp>
+        <p:nvSpPr>
+          <p:cNvPr id="17" name="Rectangle 16"/>
+          <p:cNvSpPr/>
+          <p:nvPr/>
+        </p:nvSpPr>
+        <p:spPr>
+          <a:xfrm>
+            <a:off x="784347" y="6427120"/>
+            <a:ext cx="1634743" cy="369332"/>
+          </a:xfrm>
+          <a:prstGeom prst="rect">
+            <a:avLst/>
+          </a:prstGeom>
+        </p:spPr>
+        <p:txBody>
+          <a:bodyPr wrap="none">
+            <a:spAutoFit/>
+          </a:bodyPr>
+          <a:lstStyle/>
+          <a:p>
+            <a:r>
+              <a:rPr lang="tr-TR" dirty="0" smtClean="0">
+                <a:hlinkClick r:id="rId3"/>
+              </a:rPr>
+              <a:t>Link - NonStock</a:t>
+            </a:r>
+            <a:endParaRPr lang="tr-TR" dirty="0"/>
+          </a:p>
+        </p:txBody>
+      </p:sp>
+      <p:pic>
+        <p:nvPicPr>
+          <p:cNvPr id="2" name="Picture 1"/>
+          <p:cNvPicPr>
+            <a:picLocks noChangeAspect="1"/>
+          </p:cNvPicPr>
+          <p:nvPr/>
+        </p:nvPicPr>
+        <p:blipFill rotWithShape="1">
+          <a:blip r:embed="rId4"/>
+          <a:srcRect r="42652"/>
+          <a:stretch/>
+        </p:blipFill>
+        <p:spPr>
+          <a:xfrm>
+            <a:off x="465992" y="967156"/>
+            <a:ext cx="5794131" cy="2014564"/>
+          </a:xfrm>
+          <a:prstGeom prst="rect">
+            <a:avLst/>
+          </a:prstGeom>
+        </p:spPr>
+      </p:pic>
+      <p:sp>
+        <p:nvSpPr>
+          <p:cNvPr id="14" name="5-Point Star 13"/>
+          <p:cNvSpPr/>
+          <p:nvPr/>
+        </p:nvSpPr>
+        <p:spPr>
+          <a:xfrm>
+            <a:off x="2151889" y="4667039"/>
+            <a:ext cx="301164" cy="288497"/>
+          </a:xfrm>
+          <a:prstGeom prst="star5">
+            <a:avLst/>
+          </a:prstGeom>
+          <a:solidFill>
+            <a:srgbClr val="FF0000"/>
+          </a:solidFill>
+          <a:ln>
+            <a:solidFill>
+              <a:srgbClr val="FF0000"/>
+            </a:solidFill>
+          </a:ln>
+        </p:spPr>
+        <p:style>
+          <a:lnRef idx="2">
+            <a:schemeClr val="accent1">
+              <a:shade val="50000"/>
+            </a:schemeClr>
+          </a:lnRef>
+          <a:fillRef idx="1">
+            <a:schemeClr val="accent1"/>
+          </a:fillRef>
+          <a:effectRef idx="0">
+            <a:schemeClr val="accent1"/>
+          </a:effectRef>
+          <a:fontRef idx="minor">
+            <a:schemeClr val="lt1"/>
+          </a:fontRef>
+        </p:style>
+        <p:txBody>
+          <a:bodyPr rtlCol="0" anchor="ctr"/>
+          <a:lstStyle/>
+          <a:p>
+            <a:pPr algn="ctr"/>
+            <a:endParaRPr lang="tr-TR"/>
+          </a:p>
+        </p:txBody>
+      </p:sp>
+    </p:spTree>
+    <p:extLst>
+      <p:ext uri="{BB962C8B-B14F-4D97-AF65-F5344CB8AC3E}">
+        <p14:creationId xmlns:p14="http://schemas.microsoft.com/office/powerpoint/2010/main" val="3950492777"/>
+      </p:ext>
+    </p:extLst>
+  </p:cSld>
+  <p:clrMapOvr>
+    <a:masterClrMapping/>
+  </p:clrMapOvr>
+  <p:timing>
+    <p:tnLst>
+      <p:par>
+        <p:cTn id="1" dur="indefinite" restart="never" nodeType="tmRoot"/>
+      </p:par>
+    </p:tnLst>
+  </p:timing>
+</p:sld>
+</file>
+
+<file path=ppt/slides/slide7.xml><?xml version="1.0" encoding="utf-8"?>
+<p:sld xmlns:a="http://schemas.openxmlformats.org/drawingml/2006/main" xmlns:r="http://schemas.openxmlformats.org/officeDocument/2006/relationships" xmlns:p="http://schemas.openxmlformats.org/presentationml/2006/main">
+  <p:cSld>
+    <p:spTree>
+      <p:nvGrpSpPr>
+        <p:cNvPr id="1" name=""/>
+        <p:cNvGrpSpPr/>
+        <p:nvPr/>
+      </p:nvGrpSpPr>
+      <p:grpSpPr>
+        <a:xfrm>
+          <a:off x="0" y="0"/>
+          <a:ext cx="0" cy="0"/>
+          <a:chOff x="0" y="0"/>
+          <a:chExt cx="0" cy="0"/>
+        </a:xfrm>
+      </p:grpSpPr>
+      <p:sp>
+        <p:nvSpPr>
+          <p:cNvPr id="4" name="Slide Number Placeholder 3"/>
+          <p:cNvSpPr>
+            <a:spLocks noGrp="1"/>
+          </p:cNvSpPr>
+          <p:nvPr>
+            <p:ph type="sldNum" sz="quarter" idx="12"/>
+          </p:nvPr>
+        </p:nvSpPr>
+        <p:spPr/>
+        <p:txBody>
+          <a:bodyPr/>
+          <a:lstStyle/>
+          <a:p>
+            <a:fld id="{178508F5-8E49-4F57-B165-331DE2AB85B8}" type="slidenum">
+              <a:rPr lang="tr-TR" sz="1800" smtClean="0"/>
+              <a:t>7</a:t>
+            </a:fld>
+            <a:endParaRPr lang="tr-TR" sz="1800" dirty="0"/>
+          </a:p>
+        </p:txBody>
+      </p:sp>
+      <p:sp>
+        <p:nvSpPr>
+          <p:cNvPr id="5" name="TextBox 4"/>
+          <p:cNvSpPr txBox="1"/>
+          <p:nvPr/>
+        </p:nvSpPr>
+        <p:spPr>
+          <a:xfrm>
+            <a:off x="465992" y="219808"/>
+            <a:ext cx="5064370" cy="523220"/>
+          </a:xfrm>
+          <a:prstGeom prst="rect">
+            <a:avLst/>
+          </a:prstGeom>
+          <a:noFill/>
+        </p:spPr>
+        <p:txBody>
+          <a:bodyPr wrap="square" rtlCol="0">
+            <a:spAutoFit/>
+          </a:bodyPr>
+          <a:lstStyle/>
+          <a:p>
+            <a:r>
+              <a:rPr lang="tr-TR" sz="2800" dirty="0" smtClean="0"/>
+              <a:t>Heat Sink </a:t>
+            </a:r>
+            <a:r>
+              <a:rPr lang="tr-TR" sz="2800" dirty="0" smtClean="0"/>
+              <a:t>Selection – Option #3</a:t>
+            </a:r>
+            <a:endParaRPr lang="tr-TR" sz="2800" dirty="0"/>
+          </a:p>
+        </p:txBody>
+      </p:sp>
+      <p:sp>
+        <p:nvSpPr>
+          <p:cNvPr id="17" name="Rectangle 16"/>
+          <p:cNvSpPr/>
+          <p:nvPr/>
+        </p:nvSpPr>
+        <p:spPr>
+          <a:xfrm>
+            <a:off x="784347" y="6427120"/>
+            <a:ext cx="561372" cy="369332"/>
+          </a:xfrm>
+          <a:prstGeom prst="rect">
+            <a:avLst/>
+          </a:prstGeom>
+        </p:spPr>
+        <p:txBody>
+          <a:bodyPr wrap="none">
+            <a:spAutoFit/>
+          </a:bodyPr>
+          <a:lstStyle/>
+          <a:p>
+            <a:r>
+              <a:rPr lang="tr-TR" dirty="0" smtClean="0">
+                <a:hlinkClick r:id="rId2"/>
+              </a:rPr>
+              <a:t>Link</a:t>
+            </a:r>
+            <a:endParaRPr lang="tr-TR" dirty="0"/>
+          </a:p>
+        </p:txBody>
+      </p:sp>
+      <p:pic>
+        <p:nvPicPr>
+          <p:cNvPr id="6" name="Picture 5"/>
+          <p:cNvPicPr>
+            <a:picLocks noChangeAspect="1"/>
+          </p:cNvPicPr>
+          <p:nvPr/>
+        </p:nvPicPr>
+        <p:blipFill>
+          <a:blip r:embed="rId3"/>
+          <a:stretch>
+            <a:fillRect/>
+          </a:stretch>
+        </p:blipFill>
+        <p:spPr>
+          <a:xfrm>
+            <a:off x="193386" y="708524"/>
+            <a:ext cx="3086100" cy="2876550"/>
+          </a:xfrm>
+          <a:prstGeom prst="rect">
+            <a:avLst/>
+          </a:prstGeom>
+        </p:spPr>
+      </p:pic>
+      <p:pic>
+        <p:nvPicPr>
+          <p:cNvPr id="7" name="Picture 6"/>
+          <p:cNvPicPr>
+            <a:picLocks noChangeAspect="1"/>
+          </p:cNvPicPr>
+          <p:nvPr/>
+        </p:nvPicPr>
+        <p:blipFill>
+          <a:blip r:embed="rId4"/>
+          <a:stretch>
+            <a:fillRect/>
+          </a:stretch>
+        </p:blipFill>
+        <p:spPr>
+          <a:xfrm>
+            <a:off x="3279486" y="719024"/>
+            <a:ext cx="5886450" cy="3400425"/>
+          </a:xfrm>
+          <a:prstGeom prst="rect">
+            <a:avLst/>
+          </a:prstGeom>
+        </p:spPr>
+      </p:pic>
+      <p:sp>
+        <p:nvSpPr>
+          <p:cNvPr id="15" name="TextBox 14"/>
+          <p:cNvSpPr txBox="1"/>
+          <p:nvPr/>
+        </p:nvSpPr>
+        <p:spPr>
+          <a:xfrm>
+            <a:off x="465992" y="4618665"/>
+            <a:ext cx="6515921" cy="369332"/>
+          </a:xfrm>
+          <a:prstGeom prst="rect">
+            <a:avLst/>
+          </a:prstGeom>
+          <a:noFill/>
+        </p:spPr>
+        <p:txBody>
+          <a:bodyPr wrap="square" rtlCol="0">
+            <a:spAutoFit/>
+          </a:bodyPr>
+          <a:lstStyle/>
+          <a:p>
+            <a:r>
+              <a:rPr lang="tr-TR" dirty="0" smtClean="0"/>
+              <a:t>L x W x H – 30.25 x 30.25 x 14.5 - 2.1 C/W @ 200LFM, 1 m/s, </a:t>
+            </a:r>
+            <a:r>
+              <a:rPr lang="tr-TR" b="1" dirty="0" smtClean="0"/>
+              <a:t>2 CFM</a:t>
+            </a:r>
+            <a:endParaRPr lang="tr-TR" b="1" dirty="0"/>
+          </a:p>
+        </p:txBody>
+      </p:sp>
+    </p:spTree>
+    <p:extLst>
+      <p:ext uri="{BB962C8B-B14F-4D97-AF65-F5344CB8AC3E}">
+        <p14:creationId xmlns:p14="http://schemas.microsoft.com/office/powerpoint/2010/main" val="2110906693"/>
+      </p:ext>
+    </p:extLst>
+  </p:cSld>
+  <p:clrMapOvr>
+    <a:masterClrMapping/>
+  </p:clrMapOvr>
+  <p:timing>
+    <p:tnLst>
+      <p:par>
+        <p:cTn id="1" dur="indefinite" restart="never" nodeType="tmRoot"/>
+      </p:par>
+    </p:tnLst>
+  </p:timing>
+</p:sld>
+</file>
+
+<file path=ppt/slides/slide8.xml><?xml version="1.0" encoding="utf-8"?>
+<p:sld xmlns:a="http://schemas.openxmlformats.org/drawingml/2006/main" xmlns:r="http://schemas.openxmlformats.org/officeDocument/2006/relationships" xmlns:p="http://schemas.openxmlformats.org/presentationml/2006/main">
+  <p:cSld>
+    <p:spTree>
+      <p:nvGrpSpPr>
+        <p:cNvPr id="1" name=""/>
+        <p:cNvGrpSpPr/>
+        <p:nvPr/>
+      </p:nvGrpSpPr>
+      <p:grpSpPr>
+        <a:xfrm>
+          <a:off x="0" y="0"/>
+          <a:ext cx="0" cy="0"/>
+          <a:chOff x="0" y="0"/>
+          <a:chExt cx="0" cy="0"/>
+        </a:xfrm>
+      </p:grpSpPr>
+      <p:sp>
+        <p:nvSpPr>
+          <p:cNvPr id="4" name="Slide Number Placeholder 3"/>
+          <p:cNvSpPr>
+            <a:spLocks noGrp="1"/>
+          </p:cNvSpPr>
+          <p:nvPr>
+            <p:ph type="sldNum" sz="quarter" idx="12"/>
+          </p:nvPr>
+        </p:nvSpPr>
+        <p:spPr/>
+        <p:txBody>
+          <a:bodyPr/>
+          <a:lstStyle/>
+          <a:p>
+            <a:fld id="{178508F5-8E49-4F57-B165-331DE2AB85B8}" type="slidenum">
+              <a:rPr lang="tr-TR" sz="1800" smtClean="0"/>
+              <a:t>8</a:t>
+            </a:fld>
+            <a:endParaRPr lang="tr-TR" sz="1800" dirty="0"/>
+          </a:p>
+        </p:txBody>
+      </p:sp>
+      <p:sp>
+        <p:nvSpPr>
+          <p:cNvPr id="5" name="TextBox 4"/>
+          <p:cNvSpPr txBox="1"/>
+          <p:nvPr/>
+        </p:nvSpPr>
+        <p:spPr>
+          <a:xfrm>
+            <a:off x="465992" y="219808"/>
+            <a:ext cx="5064370" cy="523220"/>
+          </a:xfrm>
+          <a:prstGeom prst="rect">
+            <a:avLst/>
+          </a:prstGeom>
+          <a:noFill/>
+        </p:spPr>
+        <p:txBody>
+          <a:bodyPr wrap="square" rtlCol="0">
+            <a:spAutoFit/>
+          </a:bodyPr>
+          <a:lstStyle/>
+          <a:p>
+            <a:r>
+              <a:rPr lang="tr-TR" sz="2800" dirty="0" smtClean="0"/>
+              <a:t>Heat Sink </a:t>
+            </a:r>
+            <a:r>
+              <a:rPr lang="tr-TR" sz="2800" dirty="0" smtClean="0"/>
+              <a:t>Selection – Option #4</a:t>
+            </a:r>
+            <a:endParaRPr lang="tr-TR" sz="2800" dirty="0"/>
+          </a:p>
+        </p:txBody>
+      </p:sp>
+      <p:sp>
+        <p:nvSpPr>
+          <p:cNvPr id="17" name="Rectangle 16"/>
+          <p:cNvSpPr/>
+          <p:nvPr/>
+        </p:nvSpPr>
+        <p:spPr>
+          <a:xfrm>
+            <a:off x="784347" y="6427120"/>
+            <a:ext cx="561372" cy="369332"/>
+          </a:xfrm>
+          <a:prstGeom prst="rect">
+            <a:avLst/>
+          </a:prstGeom>
+        </p:spPr>
+        <p:txBody>
+          <a:bodyPr wrap="none">
+            <a:spAutoFit/>
+          </a:bodyPr>
+          <a:lstStyle/>
+          <a:p>
+            <a:r>
+              <a:rPr lang="tr-TR" dirty="0" smtClean="0">
+                <a:hlinkClick r:id="rId2"/>
+              </a:rPr>
+              <a:t>Link</a:t>
+            </a:r>
+            <a:endParaRPr lang="tr-TR" dirty="0"/>
+          </a:p>
+        </p:txBody>
+      </p:sp>
       <p:pic>
         <p:nvPicPr>
           <p:cNvPr id="2" name="Picture 1"/>
@@ -6375,24 +7513,250 @@
         </p:blipFill>
         <p:spPr>
           <a:xfrm>
-            <a:off x="768036" y="3557366"/>
-            <a:ext cx="7191375" cy="2819400"/>
+            <a:off x="465992" y="1063913"/>
+            <a:ext cx="3057525" cy="2200275"/>
           </a:xfrm>
           <a:prstGeom prst="rect">
             <a:avLst/>
           </a:prstGeom>
         </p:spPr>
       </p:pic>
-      <p:sp>
-        <p:nvSpPr>
-          <p:cNvPr id="3" name="Rectangle 2"/>
+      <p:pic>
+        <p:nvPicPr>
+          <p:cNvPr id="3" name="Picture 2"/>
+          <p:cNvPicPr>
+            <a:picLocks noChangeAspect="1"/>
+          </p:cNvPicPr>
+          <p:nvPr/>
+        </p:nvPicPr>
+        <p:blipFill>
+          <a:blip r:embed="rId4"/>
+          <a:stretch>
+            <a:fillRect/>
+          </a:stretch>
+        </p:blipFill>
+        <p:spPr>
+          <a:xfrm>
+            <a:off x="4104120" y="1282167"/>
+            <a:ext cx="3448050" cy="1933575"/>
+          </a:xfrm>
+          <a:prstGeom prst="rect">
+            <a:avLst/>
+          </a:prstGeom>
+        </p:spPr>
+      </p:pic>
+      <p:sp>
+        <p:nvSpPr>
+          <p:cNvPr id="9" name="TextBox 8"/>
+          <p:cNvSpPr txBox="1"/>
+          <p:nvPr/>
+        </p:nvSpPr>
+        <p:spPr>
+          <a:xfrm>
+            <a:off x="665017" y="3592945"/>
+            <a:ext cx="5975927" cy="369332"/>
+          </a:xfrm>
+          <a:prstGeom prst="rect">
+            <a:avLst/>
+          </a:prstGeom>
+          <a:noFill/>
+        </p:spPr>
+        <p:txBody>
+          <a:bodyPr wrap="square" rtlCol="0">
+            <a:spAutoFit/>
+          </a:bodyPr>
+          <a:lstStyle/>
+          <a:p>
+            <a:r>
+              <a:rPr lang="tr-TR" dirty="0" smtClean="0"/>
+              <a:t>L x W x H – 30 x 30 x 12.7 - 2.7 C/W @ 200LFM, 1 m/s, </a:t>
+            </a:r>
+            <a:r>
+              <a:rPr lang="tr-TR" b="1" dirty="0" smtClean="0"/>
+              <a:t>2 CFM</a:t>
+            </a:r>
+            <a:endParaRPr lang="tr-TR" b="1" dirty="0"/>
+          </a:p>
+        </p:txBody>
+      </p:sp>
+      <p:sp>
+        <p:nvSpPr>
+          <p:cNvPr id="12" name="TextBox 11"/>
+          <p:cNvSpPr txBox="1"/>
+          <p:nvPr/>
+        </p:nvSpPr>
+        <p:spPr>
+          <a:xfrm>
+            <a:off x="665017" y="3921702"/>
+            <a:ext cx="6520873" cy="369332"/>
+          </a:xfrm>
+          <a:prstGeom prst="rect">
+            <a:avLst/>
+          </a:prstGeom>
+          <a:noFill/>
+        </p:spPr>
+        <p:txBody>
+          <a:bodyPr wrap="square" rtlCol="0">
+            <a:spAutoFit/>
+          </a:bodyPr>
+          <a:lstStyle/>
+          <a:p>
+            <a:r>
+              <a:rPr lang="tr-TR" dirty="0" smtClean="0"/>
+              <a:t>L x W x H – 40 x 40 x 9.5 – 2.5 C/W @ 200LFM, 1 m/s, </a:t>
+            </a:r>
+            <a:r>
+              <a:rPr lang="tr-TR" b="1" dirty="0" smtClean="0"/>
+              <a:t>3.44 CFM</a:t>
+            </a:r>
+            <a:endParaRPr lang="tr-TR" b="1" dirty="0"/>
+          </a:p>
+        </p:txBody>
+      </p:sp>
+      <p:sp>
+        <p:nvSpPr>
+          <p:cNvPr id="10" name="5-Point Star 9"/>
           <p:cNvSpPr/>
           <p:nvPr/>
         </p:nvSpPr>
         <p:spPr>
           <a:xfrm>
-            <a:off x="768036" y="6376766"/>
-            <a:ext cx="1117614" cy="369332"/>
+            <a:off x="6418116" y="3435054"/>
+            <a:ext cx="445655" cy="461068"/>
+          </a:xfrm>
+          <a:prstGeom prst="star5">
+            <a:avLst/>
+          </a:prstGeom>
+        </p:spPr>
+        <p:style>
+          <a:lnRef idx="2">
+            <a:schemeClr val="accent1">
+              <a:shade val="50000"/>
+            </a:schemeClr>
+          </a:lnRef>
+          <a:fillRef idx="1">
+            <a:schemeClr val="accent1"/>
+          </a:fillRef>
+          <a:effectRef idx="0">
+            <a:schemeClr val="accent1"/>
+          </a:effectRef>
+          <a:fontRef idx="minor">
+            <a:schemeClr val="lt1"/>
+          </a:fontRef>
+        </p:style>
+        <p:txBody>
+          <a:bodyPr rtlCol="0" anchor="ctr"/>
+          <a:lstStyle/>
+          <a:p>
+            <a:pPr algn="ctr"/>
+            <a:endParaRPr lang="tr-TR"/>
+          </a:p>
+        </p:txBody>
+      </p:sp>
+    </p:spTree>
+    <p:extLst>
+      <p:ext uri="{BB962C8B-B14F-4D97-AF65-F5344CB8AC3E}">
+        <p14:creationId xmlns:p14="http://schemas.microsoft.com/office/powerpoint/2010/main" val="2585612327"/>
+      </p:ext>
+    </p:extLst>
+  </p:cSld>
+  <p:clrMapOvr>
+    <a:masterClrMapping/>
+  </p:clrMapOvr>
+  <p:timing>
+    <p:tnLst>
+      <p:par>
+        <p:cTn id="1" dur="indefinite" restart="never" nodeType="tmRoot"/>
+      </p:par>
+    </p:tnLst>
+  </p:timing>
+</p:sld>
+</file>
+
+<file path=ppt/slides/slide9.xml><?xml version="1.0" encoding="utf-8"?>
+<p:sld xmlns:a="http://schemas.openxmlformats.org/drawingml/2006/main" xmlns:r="http://schemas.openxmlformats.org/officeDocument/2006/relationships" xmlns:p="http://schemas.openxmlformats.org/presentationml/2006/main">
+  <p:cSld>
+    <p:spTree>
+      <p:nvGrpSpPr>
+        <p:cNvPr id="1" name=""/>
+        <p:cNvGrpSpPr/>
+        <p:nvPr/>
+      </p:nvGrpSpPr>
+      <p:grpSpPr>
+        <a:xfrm>
+          <a:off x="0" y="0"/>
+          <a:ext cx="0" cy="0"/>
+          <a:chOff x="0" y="0"/>
+          <a:chExt cx="0" cy="0"/>
+        </a:xfrm>
+      </p:grpSpPr>
+      <p:sp>
+        <p:nvSpPr>
+          <p:cNvPr id="4" name="Slide Number Placeholder 3"/>
+          <p:cNvSpPr>
+            <a:spLocks noGrp="1"/>
+          </p:cNvSpPr>
+          <p:nvPr>
+            <p:ph type="sldNum" sz="quarter" idx="12"/>
+          </p:nvPr>
+        </p:nvSpPr>
+        <p:spPr/>
+        <p:txBody>
+          <a:bodyPr/>
+          <a:lstStyle/>
+          <a:p>
+            <a:fld id="{178508F5-8E49-4F57-B165-331DE2AB85B8}" type="slidenum">
+              <a:rPr lang="tr-TR" sz="1800" smtClean="0"/>
+              <a:t>9</a:t>
+            </a:fld>
+            <a:endParaRPr lang="tr-TR" sz="1800" dirty="0"/>
+          </a:p>
+        </p:txBody>
+      </p:sp>
+      <p:sp>
+        <p:nvSpPr>
+          <p:cNvPr id="5" name="TextBox 4"/>
+          <p:cNvSpPr txBox="1"/>
+          <p:nvPr/>
+        </p:nvSpPr>
+        <p:spPr>
+          <a:xfrm>
+            <a:off x="465992" y="219808"/>
+            <a:ext cx="5064370" cy="523220"/>
+          </a:xfrm>
+          <a:prstGeom prst="rect">
+            <a:avLst/>
+          </a:prstGeom>
+          <a:noFill/>
+        </p:spPr>
+        <p:txBody>
+          <a:bodyPr wrap="square" rtlCol="0">
+            <a:spAutoFit/>
+          </a:bodyPr>
+          <a:lstStyle/>
+          <a:p>
+            <a:r>
+              <a:rPr lang="tr-TR" sz="2800" dirty="0" smtClean="0"/>
+              <a:t>Heat Sink </a:t>
+            </a:r>
+            <a:r>
+              <a:rPr lang="tr-TR" sz="2800" dirty="0" smtClean="0"/>
+              <a:t>Selection – Option #5</a:t>
+            </a:r>
+            <a:endParaRPr lang="tr-TR" sz="2800" dirty="0"/>
+          </a:p>
+        </p:txBody>
+      </p:sp>
+      <p:sp>
+        <p:nvSpPr>
+          <p:cNvPr id="17" name="Rectangle 16"/>
+          <p:cNvSpPr/>
+          <p:nvPr/>
+        </p:nvSpPr>
+        <p:spPr>
+          <a:xfrm>
+            <a:off x="784347" y="6427120"/>
+            <a:ext cx="561372" cy="369332"/>
           </a:xfrm>
           <a:prstGeom prst="rect">
             <a:avLst/>
@@ -6406,18 +7770,100 @@
           <a:p>
             <a:r>
               <a:rPr lang="tr-TR" dirty="0" smtClean="0">
-                <a:hlinkClick r:id="rId4"/>
+                <a:hlinkClick r:id="rId3"/>
               </a:rPr>
-              <a:t>62.5*38.1</a:t>
+              <a:t>Link</a:t>
             </a:r>
             <a:endParaRPr lang="tr-TR" dirty="0"/>
           </a:p>
         </p:txBody>
       </p:sp>
+      <p:sp>
+        <p:nvSpPr>
+          <p:cNvPr id="12" name="TextBox 11"/>
+          <p:cNvSpPr txBox="1"/>
+          <p:nvPr/>
+        </p:nvSpPr>
+        <p:spPr>
+          <a:xfrm>
+            <a:off x="465992" y="4604496"/>
+            <a:ext cx="6520873" cy="369332"/>
+          </a:xfrm>
+          <a:prstGeom prst="rect">
+            <a:avLst/>
+          </a:prstGeom>
+          <a:noFill/>
+        </p:spPr>
+        <p:txBody>
+          <a:bodyPr wrap="square" rtlCol="0">
+            <a:spAutoFit/>
+          </a:bodyPr>
+          <a:lstStyle/>
+          <a:p>
+            <a:r>
+              <a:rPr lang="tr-TR" dirty="0" smtClean="0"/>
+              <a:t>L x W x H – 40 x 40 x 24.5 – 2.4 C/W @ 200LFM, 1 m/s, </a:t>
+            </a:r>
+            <a:r>
+              <a:rPr lang="tr-TR" b="1" dirty="0" smtClean="0"/>
+              <a:t>3.44 CFM</a:t>
+            </a:r>
+            <a:endParaRPr lang="tr-TR" b="1" dirty="0"/>
+          </a:p>
+        </p:txBody>
+      </p:sp>
+      <p:pic>
+        <p:nvPicPr>
+          <p:cNvPr id="6" name="Picture 5"/>
+          <p:cNvPicPr>
+            <a:picLocks noChangeAspect="1"/>
+          </p:cNvPicPr>
+          <p:nvPr/>
+        </p:nvPicPr>
+        <p:blipFill>
+          <a:blip r:embed="rId4"/>
+          <a:stretch>
+            <a:fillRect/>
+          </a:stretch>
+        </p:blipFill>
+        <p:spPr>
+          <a:xfrm>
+            <a:off x="465992" y="1083630"/>
+            <a:ext cx="3305175" cy="2705100"/>
+          </a:xfrm>
+          <a:prstGeom prst="rect">
+            <a:avLst/>
+          </a:prstGeom>
+        </p:spPr>
+      </p:pic>
+      <p:pic>
+        <p:nvPicPr>
+          <p:cNvPr id="7" name="Picture 6"/>
+          <p:cNvPicPr>
+            <a:picLocks noChangeAspect="1"/>
+          </p:cNvPicPr>
+          <p:nvPr/>
+        </p:nvPicPr>
+        <p:blipFill>
+          <a:blip r:embed="rId5"/>
+          <a:stretch>
+            <a:fillRect/>
+          </a:stretch>
+        </p:blipFill>
+        <p:spPr>
+          <a:xfrm>
+            <a:off x="4211782" y="950659"/>
+            <a:ext cx="7510425" cy="2971043"/>
+          </a:xfrm>
+          <a:prstGeom prst="rect">
+            <a:avLst/>
+          </a:prstGeom>
+        </p:spPr>
+      </p:pic>
     </p:spTree>
     <p:extLst>
       <p:ext uri="{BB962C8B-B14F-4D97-AF65-F5344CB8AC3E}">
-        <p14:creationId xmlns:p14="http://schemas.microsoft.com/office/powerpoint/2010/main" val="4212841424"/>
+        <p14:creationId xmlns:p14="http://schemas.microsoft.com/office/powerpoint/2010/main" val="2608836127"/>
       </p:ext>
     </p:extLst>
   </p:cSld>

--- a/Weekly Reports/2019.09.18 - 2019.09.25 Report.pptx
+++ b/Weekly Reports/2019.09.18 - 2019.09.25 Report.pptx
@@ -5,7 +5,7 @@
     <p:sldMasterId id="2147483648" r:id="rId1"/>
   </p:sldMasterIdLst>
   <p:notesMasterIdLst>
-    <p:notesMasterId r:id="rId11"/>
+    <p:notesMasterId r:id="rId12"/>
   </p:notesMasterIdLst>
   <p:sldIdLst>
     <p:sldId id="265" r:id="rId2"/>
@@ -17,6 +17,7 @@
     <p:sldId id="272" r:id="rId8"/>
     <p:sldId id="273" r:id="rId9"/>
     <p:sldId id="274" r:id="rId10"/>
+    <p:sldId id="275" r:id="rId11"/>
   </p:sldIdLst>
   <p:sldSz cx="12192000" cy="6858000"/>
   <p:notesSz cx="6858000" cy="9144000"/>
@@ -205,7 +206,7 @@
           <a:p>
             <a:fld id="{6967AB47-6931-48C6-B7ED-326D1228AFBA}" type="datetimeFigureOut">
               <a:rPr lang="tr-TR" smtClean="0"/>
-              <a:t>24.09.2019</a:t>
+              <a:t>26.09.2019</a:t>
             </a:fld>
             <a:endParaRPr lang="tr-TR"/>
           </a:p>
@@ -557,6 +558,90 @@
 </p:notes>
 </file>
 
+<file path=ppt/notesSlides/notesSlide2.xml><?xml version="1.0" encoding="utf-8"?>
+<p:notes xmlns:a="http://schemas.openxmlformats.org/drawingml/2006/main" xmlns:r="http://schemas.openxmlformats.org/officeDocument/2006/relationships" xmlns:p="http://schemas.openxmlformats.org/presentationml/2006/main">
+  <p:cSld>
+    <p:spTree>
+      <p:nvGrpSpPr>
+        <p:cNvPr id="1" name=""/>
+        <p:cNvGrpSpPr/>
+        <p:nvPr/>
+      </p:nvGrpSpPr>
+      <p:grpSpPr>
+        <a:xfrm>
+          <a:off x="0" y="0"/>
+          <a:ext cx="0" cy="0"/>
+          <a:chOff x="0" y="0"/>
+          <a:chExt cx="0" cy="0"/>
+        </a:xfrm>
+      </p:grpSpPr>
+      <p:sp>
+        <p:nvSpPr>
+          <p:cNvPr id="2" name="Slide Image Placeholder 1"/>
+          <p:cNvSpPr>
+            <a:spLocks noGrp="1" noRot="1" noChangeAspect="1"/>
+          </p:cNvSpPr>
+          <p:nvPr>
+            <p:ph type="sldImg"/>
+          </p:nvPr>
+        </p:nvSpPr>
+        <p:spPr/>
+      </p:sp>
+      <p:sp>
+        <p:nvSpPr>
+          <p:cNvPr id="3" name="Notes Placeholder 2"/>
+          <p:cNvSpPr>
+            <a:spLocks noGrp="1"/>
+          </p:cNvSpPr>
+          <p:nvPr>
+            <p:ph type="body" idx="1"/>
+          </p:nvPr>
+        </p:nvSpPr>
+        <p:spPr/>
+        <p:txBody>
+          <a:bodyPr/>
+          <a:lstStyle/>
+          <a:p>
+            <a:endParaRPr lang="tr-TR" dirty="0"/>
+          </a:p>
+        </p:txBody>
+      </p:sp>
+      <p:sp>
+        <p:nvSpPr>
+          <p:cNvPr id="4" name="Slide Number Placeholder 3"/>
+          <p:cNvSpPr>
+            <a:spLocks noGrp="1"/>
+          </p:cNvSpPr>
+          <p:nvPr>
+            <p:ph type="sldNum" sz="quarter" idx="10"/>
+          </p:nvPr>
+        </p:nvSpPr>
+        <p:spPr/>
+        <p:txBody>
+          <a:bodyPr/>
+          <a:lstStyle/>
+          <a:p>
+            <a:fld id="{B6112101-3760-4CAC-BF0E-15BB3278C8BF}" type="slidenum">
+              <a:rPr lang="tr-TR" smtClean="0"/>
+              <a:t>10</a:t>
+            </a:fld>
+            <a:endParaRPr lang="tr-TR"/>
+          </a:p>
+        </p:txBody>
+      </p:sp>
+    </p:spTree>
+    <p:extLst>
+      <p:ext uri="{BB962C8B-B14F-4D97-AF65-F5344CB8AC3E}">
+        <p14:creationId xmlns:p14="http://schemas.microsoft.com/office/powerpoint/2010/main" val="2532079302"/>
+      </p:ext>
+    </p:extLst>
+  </p:cSld>
+  <p:clrMapOvr>
+    <a:masterClrMapping/>
+  </p:clrMapOvr>
+</p:notes>
+</file>
+
 <file path=ppt/slideLayouts/slideLayout1.xml><?xml version="1.0" encoding="utf-8"?>
 <p:sldLayout xmlns:a="http://schemas.openxmlformats.org/drawingml/2006/main" xmlns:r="http://schemas.openxmlformats.org/officeDocument/2006/relationships" xmlns:p="http://schemas.openxmlformats.org/presentationml/2006/main" type="title" preserve="1">
   <p:cSld name="Title Slide">
@@ -688,7 +773,7 @@
           <a:p>
             <a:fld id="{BD3B3769-65FE-41EA-85B6-D9F2AF76CBA9}" type="datetime1">
               <a:rPr lang="tr-TR" smtClean="0"/>
-              <a:t>24.09.2019</a:t>
+              <a:t>26.09.2019</a:t>
             </a:fld>
             <a:endParaRPr lang="tr-TR"/>
           </a:p>
@@ -858,7 +943,7 @@
           <a:p>
             <a:fld id="{2962A6A9-D976-4BDA-B10C-66B2B9DE9B4C}" type="datetime1">
               <a:rPr lang="tr-TR" smtClean="0"/>
-              <a:t>24.09.2019</a:t>
+              <a:t>26.09.2019</a:t>
             </a:fld>
             <a:endParaRPr lang="tr-TR"/>
           </a:p>
@@ -1038,7 +1123,7 @@
           <a:p>
             <a:fld id="{5600552A-E4D4-4B40-9929-1D3FB71F71FF}" type="datetime1">
               <a:rPr lang="tr-TR" smtClean="0"/>
-              <a:t>24.09.2019</a:t>
+              <a:t>26.09.2019</a:t>
             </a:fld>
             <a:endParaRPr lang="tr-TR"/>
           </a:p>
@@ -1208,7 +1293,7 @@
           <a:p>
             <a:fld id="{F9A85ECC-3CE4-4AD0-8EC5-3A36763AA76F}" type="datetime1">
               <a:rPr lang="tr-TR" smtClean="0"/>
-              <a:t>24.09.2019</a:t>
+              <a:t>26.09.2019</a:t>
             </a:fld>
             <a:endParaRPr lang="tr-TR"/>
           </a:p>
@@ -1454,7 +1539,7 @@
           <a:p>
             <a:fld id="{39F6AA4B-9646-44CC-B325-B50A183D6636}" type="datetime1">
               <a:rPr lang="tr-TR" smtClean="0"/>
-              <a:t>24.09.2019</a:t>
+              <a:t>26.09.2019</a:t>
             </a:fld>
             <a:endParaRPr lang="tr-TR"/>
           </a:p>
@@ -1686,7 +1771,7 @@
           <a:p>
             <a:fld id="{FD69D89B-A78C-481C-B4BE-82E51E30BA9C}" type="datetime1">
               <a:rPr lang="tr-TR" smtClean="0"/>
-              <a:t>24.09.2019</a:t>
+              <a:t>26.09.2019</a:t>
             </a:fld>
             <a:endParaRPr lang="tr-TR"/>
           </a:p>
@@ -2053,7 +2138,7 @@
           <a:p>
             <a:fld id="{473BE270-57FE-4717-982D-F02DFB5BECD5}" type="datetime1">
               <a:rPr lang="tr-TR" smtClean="0"/>
-              <a:t>24.09.2019</a:t>
+              <a:t>26.09.2019</a:t>
             </a:fld>
             <a:endParaRPr lang="tr-TR"/>
           </a:p>
@@ -2171,7 +2256,7 @@
           <a:p>
             <a:fld id="{BFAEDD45-6991-4862-9E84-DDF92EF341CB}" type="datetime1">
               <a:rPr lang="tr-TR" smtClean="0"/>
-              <a:t>24.09.2019</a:t>
+              <a:t>26.09.2019</a:t>
             </a:fld>
             <a:endParaRPr lang="tr-TR"/>
           </a:p>
@@ -2266,7 +2351,7 @@
           <a:p>
             <a:fld id="{23EE56C6-14E9-4870-96BE-3550760A1300}" type="datetime1">
               <a:rPr lang="tr-TR" smtClean="0"/>
-              <a:t>24.09.2019</a:t>
+              <a:t>26.09.2019</a:t>
             </a:fld>
             <a:endParaRPr lang="tr-TR"/>
           </a:p>
@@ -2543,7 +2628,7 @@
           <a:p>
             <a:fld id="{5EB3015D-7E17-406D-9A1A-3B2ADCD0CF79}" type="datetime1">
               <a:rPr lang="tr-TR" smtClean="0"/>
-              <a:t>24.09.2019</a:t>
+              <a:t>26.09.2019</a:t>
             </a:fld>
             <a:endParaRPr lang="tr-TR"/>
           </a:p>
@@ -2796,7 +2881,7 @@
           <a:p>
             <a:fld id="{8E1B6673-63A0-461F-BFBD-58F4D74CC1A0}" type="datetime1">
               <a:rPr lang="tr-TR" smtClean="0"/>
-              <a:t>24.09.2019</a:t>
+              <a:t>26.09.2019</a:t>
             </a:fld>
             <a:endParaRPr lang="tr-TR"/>
           </a:p>
@@ -3009,7 +3094,7 @@
           <a:p>
             <a:fld id="{9E8EF2ED-7087-4201-9521-97BB02159B09}" type="datetime1">
               <a:rPr lang="tr-TR" smtClean="0"/>
-              <a:t>24.09.2019</a:t>
+              <a:t>26.09.2019</a:t>
             </a:fld>
             <a:endParaRPr lang="tr-TR"/>
           </a:p>
@@ -3784,6 +3869,249 @@
     <p:extLst>
       <p:ext uri="{BB962C8B-B14F-4D97-AF65-F5344CB8AC3E}">
         <p14:creationId xmlns:p14="http://schemas.microsoft.com/office/powerpoint/2010/main" val="3082183107"/>
+      </p:ext>
+    </p:extLst>
+  </p:cSld>
+  <p:clrMapOvr>
+    <a:masterClrMapping/>
+  </p:clrMapOvr>
+  <p:timing>
+    <p:tnLst>
+      <p:par>
+        <p:cTn id="1" dur="indefinite" restart="never" nodeType="tmRoot"/>
+      </p:par>
+    </p:tnLst>
+  </p:timing>
+</p:sld>
+</file>
+
+<file path=ppt/slides/slide10.xml><?xml version="1.0" encoding="utf-8"?>
+<p:sld xmlns:a="http://schemas.openxmlformats.org/drawingml/2006/main" xmlns:r="http://schemas.openxmlformats.org/officeDocument/2006/relationships" xmlns:p="http://schemas.openxmlformats.org/presentationml/2006/main">
+  <p:cSld>
+    <p:spTree>
+      <p:nvGrpSpPr>
+        <p:cNvPr id="1" name=""/>
+        <p:cNvGrpSpPr/>
+        <p:nvPr/>
+      </p:nvGrpSpPr>
+      <p:grpSpPr>
+        <a:xfrm>
+          <a:off x="0" y="0"/>
+          <a:ext cx="0" cy="0"/>
+          <a:chOff x="0" y="0"/>
+          <a:chExt cx="0" cy="0"/>
+        </a:xfrm>
+      </p:grpSpPr>
+      <p:sp>
+        <p:nvSpPr>
+          <p:cNvPr id="4" name="Slide Number Placeholder 3"/>
+          <p:cNvSpPr>
+            <a:spLocks noGrp="1"/>
+          </p:cNvSpPr>
+          <p:nvPr>
+            <p:ph type="sldNum" sz="quarter" idx="12"/>
+          </p:nvPr>
+        </p:nvSpPr>
+        <p:spPr/>
+        <p:txBody>
+          <a:bodyPr/>
+          <a:lstStyle/>
+          <a:p>
+            <a:fld id="{178508F5-8E49-4F57-B165-331DE2AB85B8}" type="slidenum">
+              <a:rPr lang="tr-TR" sz="1800" smtClean="0"/>
+              <a:t>10</a:t>
+            </a:fld>
+            <a:endParaRPr lang="tr-TR" sz="1800" dirty="0"/>
+          </a:p>
+        </p:txBody>
+      </p:sp>
+      <p:sp>
+        <p:nvSpPr>
+          <p:cNvPr id="5" name="TextBox 4"/>
+          <p:cNvSpPr txBox="1"/>
+          <p:nvPr/>
+        </p:nvSpPr>
+        <p:spPr>
+          <a:xfrm>
+            <a:off x="465992" y="219808"/>
+            <a:ext cx="5064370" cy="523220"/>
+          </a:xfrm>
+          <a:prstGeom prst="rect">
+            <a:avLst/>
+          </a:prstGeom>
+          <a:noFill/>
+        </p:spPr>
+        <p:txBody>
+          <a:bodyPr wrap="square" rtlCol="0">
+            <a:spAutoFit/>
+          </a:bodyPr>
+          <a:lstStyle/>
+          <a:p>
+            <a:r>
+              <a:rPr lang="tr-TR" sz="2800" dirty="0" smtClean="0"/>
+              <a:t>Heat Sink Selection – Option #6</a:t>
+            </a:r>
+            <a:endParaRPr lang="tr-TR" sz="2800" dirty="0"/>
+          </a:p>
+        </p:txBody>
+      </p:sp>
+      <p:sp>
+        <p:nvSpPr>
+          <p:cNvPr id="17" name="Rectangle 16"/>
+          <p:cNvSpPr/>
+          <p:nvPr/>
+        </p:nvSpPr>
+        <p:spPr>
+          <a:xfrm>
+            <a:off x="784347" y="6427120"/>
+            <a:ext cx="561372" cy="369332"/>
+          </a:xfrm>
+          <a:prstGeom prst="rect">
+            <a:avLst/>
+          </a:prstGeom>
+        </p:spPr>
+        <p:txBody>
+          <a:bodyPr wrap="none">
+            <a:spAutoFit/>
+          </a:bodyPr>
+          <a:lstStyle/>
+          <a:p>
+            <a:r>
+              <a:rPr lang="tr-TR" dirty="0" smtClean="0">
+                <a:hlinkClick r:id="rId3"/>
+              </a:rPr>
+              <a:t>Link</a:t>
+            </a:r>
+            <a:endParaRPr lang="tr-TR" dirty="0"/>
+          </a:p>
+        </p:txBody>
+      </p:sp>
+      <p:sp>
+        <p:nvSpPr>
+          <p:cNvPr id="12" name="TextBox 11"/>
+          <p:cNvSpPr txBox="1"/>
+          <p:nvPr/>
+        </p:nvSpPr>
+        <p:spPr>
+          <a:xfrm>
+            <a:off x="465992" y="4604496"/>
+            <a:ext cx="6520873" cy="369332"/>
+          </a:xfrm>
+          <a:prstGeom prst="rect">
+            <a:avLst/>
+          </a:prstGeom>
+          <a:noFill/>
+        </p:spPr>
+        <p:txBody>
+          <a:bodyPr wrap="square" rtlCol="0">
+            <a:spAutoFit/>
+          </a:bodyPr>
+          <a:lstStyle/>
+          <a:p>
+            <a:r>
+              <a:rPr lang="tr-TR" dirty="0" smtClean="0"/>
+              <a:t>L x W x H –37.5 x 37.5 x 33 – 2.4 C/W @ 100LFM, 1 m/s, </a:t>
+            </a:r>
+            <a:r>
+              <a:rPr lang="tr-TR" b="1" dirty="0" smtClean="0"/>
+              <a:t>1.51 CFM</a:t>
+            </a:r>
+            <a:endParaRPr lang="tr-TR" b="1" dirty="0"/>
+          </a:p>
+        </p:txBody>
+      </p:sp>
+      <p:pic>
+        <p:nvPicPr>
+          <p:cNvPr id="2" name="Picture 1"/>
+          <p:cNvPicPr>
+            <a:picLocks noChangeAspect="1"/>
+          </p:cNvPicPr>
+          <p:nvPr/>
+        </p:nvPicPr>
+        <p:blipFill>
+          <a:blip r:embed="rId4"/>
+          <a:stretch>
+            <a:fillRect/>
+          </a:stretch>
+        </p:blipFill>
+        <p:spPr>
+          <a:xfrm>
+            <a:off x="465992" y="811624"/>
+            <a:ext cx="4505325" cy="3724275"/>
+          </a:xfrm>
+          <a:prstGeom prst="rect">
+            <a:avLst/>
+          </a:prstGeom>
+        </p:spPr>
+      </p:pic>
+      <p:pic>
+        <p:nvPicPr>
+          <p:cNvPr id="3" name="Picture 2"/>
+          <p:cNvPicPr>
+            <a:picLocks noChangeAspect="1"/>
+          </p:cNvPicPr>
+          <p:nvPr/>
+        </p:nvPicPr>
+        <p:blipFill>
+          <a:blip r:embed="rId5"/>
+          <a:stretch>
+            <a:fillRect/>
+          </a:stretch>
+        </p:blipFill>
+        <p:spPr>
+          <a:xfrm>
+            <a:off x="5338396" y="743028"/>
+            <a:ext cx="4381500" cy="3629025"/>
+          </a:xfrm>
+          <a:prstGeom prst="rect">
+            <a:avLst/>
+          </a:prstGeom>
+        </p:spPr>
+      </p:pic>
+      <p:sp>
+        <p:nvSpPr>
+          <p:cNvPr id="10" name="5-Point Star 9"/>
+          <p:cNvSpPr/>
+          <p:nvPr/>
+        </p:nvSpPr>
+        <p:spPr>
+          <a:xfrm>
+            <a:off x="6764037" y="4512760"/>
+            <a:ext cx="445655" cy="461068"/>
+          </a:xfrm>
+          <a:prstGeom prst="star5">
+            <a:avLst/>
+          </a:prstGeom>
+        </p:spPr>
+        <p:style>
+          <a:lnRef idx="2">
+            <a:schemeClr val="accent1">
+              <a:shade val="50000"/>
+            </a:schemeClr>
+          </a:lnRef>
+          <a:fillRef idx="1">
+            <a:schemeClr val="accent1"/>
+          </a:fillRef>
+          <a:effectRef idx="0">
+            <a:schemeClr val="accent1"/>
+          </a:effectRef>
+          <a:fontRef idx="minor">
+            <a:schemeClr val="lt1"/>
+          </a:fontRef>
+        </p:style>
+        <p:txBody>
+          <a:bodyPr rtlCol="0" anchor="ctr"/>
+          <a:lstStyle/>
+          <a:p>
+            <a:pPr algn="ctr"/>
+            <a:endParaRPr lang="tr-TR"/>
+          </a:p>
+        </p:txBody>
+      </p:sp>
+    </p:spTree>
+    <p:extLst>
+      <p:ext uri="{BB962C8B-B14F-4D97-AF65-F5344CB8AC3E}">
+        <p14:creationId xmlns:p14="http://schemas.microsoft.com/office/powerpoint/2010/main" val="229714186"/>
       </p:ext>
     </p:extLst>
   </p:cSld>
@@ -6367,8 +6695,8 @@
           </a:p>
         </p:txBody>
       </p:sp>
-      <mc:AlternateContent xmlns:mc="http://schemas.openxmlformats.org/markup-compatibility/2006">
-        <mc:Choice xmlns:a14="http://schemas.microsoft.com/office/drawing/2010/main" Requires="a14">
+      <mc:AlternateContent xmlns:mc="http://schemas.openxmlformats.org/markup-compatibility/2006" xmlns:a14="http://schemas.microsoft.com/office/drawing/2010/main">
+        <mc:Choice Requires="a14">
           <p:sp>
             <p:nvSpPr>
               <p:cNvPr id="3" name="Rectangle 2"/>
@@ -6390,7 +6718,6 @@
               </a:bodyPr>
               <a:lstStyle/>
               <a:p>
-                <a:pPr/>
                 <a14:m>
                   <m:oMath xmlns:m="http://schemas.openxmlformats.org/officeDocument/2006/math">
                     <m:sSub>
@@ -6465,7 +6792,7 @@
             </p:txBody>
           </p:sp>
         </mc:Choice>
-        <mc:Fallback>
+        <mc:Fallback xmlns="">
           <p:sp>
             <p:nvSpPr>
               <p:cNvPr id="3" name="Rectangle 2"/>
@@ -6588,11 +6915,7 @@
           <a:p>
             <a:r>
               <a:rPr lang="tr-TR" sz="2800" dirty="0" smtClean="0"/>
-              <a:t>Heat Sink </a:t>
-            </a:r>
-            <a:r>
-              <a:rPr lang="tr-TR" sz="2800" dirty="0" smtClean="0"/>
-              <a:t>Selection – Option #1</a:t>
+              <a:t>Heat Sink Selection – Option #1</a:t>
             </a:r>
             <a:endParaRPr lang="tr-TR" sz="2800" dirty="0"/>
           </a:p>
@@ -6977,11 +7300,7 @@
           <a:p>
             <a:r>
               <a:rPr lang="tr-TR" sz="2800" dirty="0" smtClean="0"/>
-              <a:t>Heat Sink </a:t>
-            </a:r>
-            <a:r>
-              <a:rPr lang="tr-TR" sz="2800" dirty="0" smtClean="0"/>
-              <a:t>Selection – Option #2</a:t>
+              <a:t>Heat Sink Selection – Option #2</a:t>
             </a:r>
             <a:endParaRPr lang="tr-TR" sz="2800" dirty="0"/>
           </a:p>
@@ -7249,11 +7568,7 @@
           <a:p>
             <a:r>
               <a:rPr lang="tr-TR" sz="2800" dirty="0" smtClean="0"/>
-              <a:t>Heat Sink </a:t>
-            </a:r>
-            <a:r>
-              <a:rPr lang="tr-TR" sz="2800" dirty="0" smtClean="0"/>
-              <a:t>Selection – Option #3</a:t>
+              <a:t>Heat Sink Selection – Option #3</a:t>
             </a:r>
             <a:endParaRPr lang="tr-TR" sz="2800" dirty="0"/>
           </a:p>
@@ -7456,11 +7771,7 @@
           <a:p>
             <a:r>
               <a:rPr lang="tr-TR" sz="2800" dirty="0" smtClean="0"/>
-              <a:t>Heat Sink </a:t>
-            </a:r>
-            <a:r>
-              <a:rPr lang="tr-TR" sz="2800" dirty="0" smtClean="0"/>
-              <a:t>Selection – Option #4</a:t>
+              <a:t>Heat Sink Selection – Option #4</a:t>
             </a:r>
             <a:endParaRPr lang="tr-TR" sz="2800" dirty="0"/>
           </a:p>
@@ -7737,11 +8048,7 @@
           <a:p>
             <a:r>
               <a:rPr lang="tr-TR" sz="2800" dirty="0" smtClean="0"/>
-              <a:t>Heat Sink </a:t>
-            </a:r>
-            <a:r>
-              <a:rPr lang="tr-TR" sz="2800" dirty="0" smtClean="0"/>
-              <a:t>Selection – Option #5</a:t>
+              <a:t>Heat Sink Selection – Option #5</a:t>
             </a:r>
             <a:endParaRPr lang="tr-TR" sz="2800" dirty="0"/>
           </a:p>

--- a/Weekly Reports/2019.09.18 - 2019.09.25 Report.pptx
+++ b/Weekly Reports/2019.09.18 - 2019.09.25 Report.pptx
@@ -206,7 +206,7 @@
           <a:p>
             <a:fld id="{6967AB47-6931-48C6-B7ED-326D1228AFBA}" type="datetimeFigureOut">
               <a:rPr lang="tr-TR" smtClean="0"/>
-              <a:t>26.09.2019</a:t>
+              <a:t>16.01.2020</a:t>
             </a:fld>
             <a:endParaRPr lang="tr-TR"/>
           </a:p>
@@ -773,7 +773,7 @@
           <a:p>
             <a:fld id="{BD3B3769-65FE-41EA-85B6-D9F2AF76CBA9}" type="datetime1">
               <a:rPr lang="tr-TR" smtClean="0"/>
-              <a:t>26.09.2019</a:t>
+              <a:t>16.01.2020</a:t>
             </a:fld>
             <a:endParaRPr lang="tr-TR"/>
           </a:p>
@@ -943,7 +943,7 @@
           <a:p>
             <a:fld id="{2962A6A9-D976-4BDA-B10C-66B2B9DE9B4C}" type="datetime1">
               <a:rPr lang="tr-TR" smtClean="0"/>
-              <a:t>26.09.2019</a:t>
+              <a:t>16.01.2020</a:t>
             </a:fld>
             <a:endParaRPr lang="tr-TR"/>
           </a:p>
@@ -1123,7 +1123,7 @@
           <a:p>
             <a:fld id="{5600552A-E4D4-4B40-9929-1D3FB71F71FF}" type="datetime1">
               <a:rPr lang="tr-TR" smtClean="0"/>
-              <a:t>26.09.2019</a:t>
+              <a:t>16.01.2020</a:t>
             </a:fld>
             <a:endParaRPr lang="tr-TR"/>
           </a:p>
@@ -1293,7 +1293,7 @@
           <a:p>
             <a:fld id="{F9A85ECC-3CE4-4AD0-8EC5-3A36763AA76F}" type="datetime1">
               <a:rPr lang="tr-TR" smtClean="0"/>
-              <a:t>26.09.2019</a:t>
+              <a:t>16.01.2020</a:t>
             </a:fld>
             <a:endParaRPr lang="tr-TR"/>
           </a:p>
@@ -1539,7 +1539,7 @@
           <a:p>
             <a:fld id="{39F6AA4B-9646-44CC-B325-B50A183D6636}" type="datetime1">
               <a:rPr lang="tr-TR" smtClean="0"/>
-              <a:t>26.09.2019</a:t>
+              <a:t>16.01.2020</a:t>
             </a:fld>
             <a:endParaRPr lang="tr-TR"/>
           </a:p>
@@ -1771,7 +1771,7 @@
           <a:p>
             <a:fld id="{FD69D89B-A78C-481C-B4BE-82E51E30BA9C}" type="datetime1">
               <a:rPr lang="tr-TR" smtClean="0"/>
-              <a:t>26.09.2019</a:t>
+              <a:t>16.01.2020</a:t>
             </a:fld>
             <a:endParaRPr lang="tr-TR"/>
           </a:p>
@@ -2138,7 +2138,7 @@
           <a:p>
             <a:fld id="{473BE270-57FE-4717-982D-F02DFB5BECD5}" type="datetime1">
               <a:rPr lang="tr-TR" smtClean="0"/>
-              <a:t>26.09.2019</a:t>
+              <a:t>16.01.2020</a:t>
             </a:fld>
             <a:endParaRPr lang="tr-TR"/>
           </a:p>
@@ -2256,7 +2256,7 @@
           <a:p>
             <a:fld id="{BFAEDD45-6991-4862-9E84-DDF92EF341CB}" type="datetime1">
               <a:rPr lang="tr-TR" smtClean="0"/>
-              <a:t>26.09.2019</a:t>
+              <a:t>16.01.2020</a:t>
             </a:fld>
             <a:endParaRPr lang="tr-TR"/>
           </a:p>
@@ -2351,7 +2351,7 @@
           <a:p>
             <a:fld id="{23EE56C6-14E9-4870-96BE-3550760A1300}" type="datetime1">
               <a:rPr lang="tr-TR" smtClean="0"/>
-              <a:t>26.09.2019</a:t>
+              <a:t>16.01.2020</a:t>
             </a:fld>
             <a:endParaRPr lang="tr-TR"/>
           </a:p>
@@ -2628,7 +2628,7 @@
           <a:p>
             <a:fld id="{5EB3015D-7E17-406D-9A1A-3B2ADCD0CF79}" type="datetime1">
               <a:rPr lang="tr-TR" smtClean="0"/>
-              <a:t>26.09.2019</a:t>
+              <a:t>16.01.2020</a:t>
             </a:fld>
             <a:endParaRPr lang="tr-TR"/>
           </a:p>
@@ -2881,7 +2881,7 @@
           <a:p>
             <a:fld id="{8E1B6673-63A0-461F-BFBD-58F4D74CC1A0}" type="datetime1">
               <a:rPr lang="tr-TR" smtClean="0"/>
-              <a:t>26.09.2019</a:t>
+              <a:t>16.01.2020</a:t>
             </a:fld>
             <a:endParaRPr lang="tr-TR"/>
           </a:p>
@@ -3094,7 +3094,7 @@
           <a:p>
             <a:fld id="{9E8EF2ED-7087-4201-9521-97BB02159B09}" type="datetime1">
               <a:rPr lang="tr-TR" smtClean="0"/>
-              <a:t>26.09.2019</a:t>
+              <a:t>16.01.2020</a:t>
             </a:fld>
             <a:endParaRPr lang="tr-TR"/>
           </a:p>
